--- a/e97_MEPS/12.06.2023_AE_amplitudes.pptx
+++ b/e97_MEPS/12.06.2023_AE_amplitudes.pptx
@@ -224,7 +224,7 @@
           <a:p>
             <a:fld id="{384BFFF3-15EC-485A-83D9-3EDB744BA672}" type="datetimeFigureOut">
               <a:rPr lang="en-GB" smtClean="0"/>
-              <a:t>15/06/2023</a:t>
+              <a:t>27/07/2023</a:t>
             </a:fld>
             <a:endParaRPr lang="en-GB"/>
           </a:p>
@@ -725,7 +725,7 @@
           <a:p>
             <a:fld id="{060BF606-3403-4164-815B-C7158F8EB762}" type="datetimeFigureOut">
               <a:rPr lang="en-GB" smtClean="0"/>
-              <a:t>15/06/2023</a:t>
+              <a:t>27/07/2023</a:t>
             </a:fld>
             <a:endParaRPr lang="en-GB"/>
           </a:p>
@@ -925,7 +925,7 @@
           <a:p>
             <a:fld id="{060BF606-3403-4164-815B-C7158F8EB762}" type="datetimeFigureOut">
               <a:rPr lang="en-GB" smtClean="0"/>
-              <a:t>15/06/2023</a:t>
+              <a:t>27/07/2023</a:t>
             </a:fld>
             <a:endParaRPr lang="en-GB"/>
           </a:p>
@@ -1135,7 +1135,7 @@
           <a:p>
             <a:fld id="{060BF606-3403-4164-815B-C7158F8EB762}" type="datetimeFigureOut">
               <a:rPr lang="en-GB" smtClean="0"/>
-              <a:t>15/06/2023</a:t>
+              <a:t>27/07/2023</a:t>
             </a:fld>
             <a:endParaRPr lang="en-GB"/>
           </a:p>
@@ -1335,7 +1335,7 @@
           <a:p>
             <a:fld id="{060BF606-3403-4164-815B-C7158F8EB762}" type="datetimeFigureOut">
               <a:rPr lang="en-GB" smtClean="0"/>
-              <a:t>15/06/2023</a:t>
+              <a:t>27/07/2023</a:t>
             </a:fld>
             <a:endParaRPr lang="en-GB"/>
           </a:p>
@@ -1611,7 +1611,7 @@
           <a:p>
             <a:fld id="{060BF606-3403-4164-815B-C7158F8EB762}" type="datetimeFigureOut">
               <a:rPr lang="en-GB" smtClean="0"/>
-              <a:t>15/06/2023</a:t>
+              <a:t>27/07/2023</a:t>
             </a:fld>
             <a:endParaRPr lang="en-GB"/>
           </a:p>
@@ -1879,7 +1879,7 @@
           <a:p>
             <a:fld id="{060BF606-3403-4164-815B-C7158F8EB762}" type="datetimeFigureOut">
               <a:rPr lang="en-GB" smtClean="0"/>
-              <a:t>15/06/2023</a:t>
+              <a:t>27/07/2023</a:t>
             </a:fld>
             <a:endParaRPr lang="en-GB"/>
           </a:p>
@@ -2294,7 +2294,7 @@
           <a:p>
             <a:fld id="{060BF606-3403-4164-815B-C7158F8EB762}" type="datetimeFigureOut">
               <a:rPr lang="en-GB" smtClean="0"/>
-              <a:t>15/06/2023</a:t>
+              <a:t>27/07/2023</a:t>
             </a:fld>
             <a:endParaRPr lang="en-GB"/>
           </a:p>
@@ -2436,7 +2436,7 @@
           <a:p>
             <a:fld id="{060BF606-3403-4164-815B-C7158F8EB762}" type="datetimeFigureOut">
               <a:rPr lang="en-GB" smtClean="0"/>
-              <a:t>15/06/2023</a:t>
+              <a:t>27/07/2023</a:t>
             </a:fld>
             <a:endParaRPr lang="en-GB"/>
           </a:p>
@@ -2549,7 +2549,7 @@
           <a:p>
             <a:fld id="{060BF606-3403-4164-815B-C7158F8EB762}" type="datetimeFigureOut">
               <a:rPr lang="en-GB" smtClean="0"/>
-              <a:t>15/06/2023</a:t>
+              <a:t>27/07/2023</a:t>
             </a:fld>
             <a:endParaRPr lang="en-GB"/>
           </a:p>
@@ -2862,7 +2862,7 @@
           <a:p>
             <a:fld id="{060BF606-3403-4164-815B-C7158F8EB762}" type="datetimeFigureOut">
               <a:rPr lang="en-GB" smtClean="0"/>
-              <a:t>15/06/2023</a:t>
+              <a:t>27/07/2023</a:t>
             </a:fld>
             <a:endParaRPr lang="en-GB"/>
           </a:p>
@@ -3151,7 +3151,7 @@
           <a:p>
             <a:fld id="{060BF606-3403-4164-815B-C7158F8EB762}" type="datetimeFigureOut">
               <a:rPr lang="en-GB" smtClean="0"/>
-              <a:t>15/06/2023</a:t>
+              <a:t>27/07/2023</a:t>
             </a:fld>
             <a:endParaRPr lang="en-GB"/>
           </a:p>
@@ -3394,7 +3394,7 @@
           <a:p>
             <a:fld id="{060BF606-3403-4164-815B-C7158F8EB762}" type="datetimeFigureOut">
               <a:rPr lang="en-GB" smtClean="0"/>
-              <a:t>15/06/2023</a:t>
+              <a:t>27/07/2023</a:t>
             </a:fld>
             <a:endParaRPr lang="en-GB"/>
           </a:p>
